--- a/ApproxComp/queryApprox.pptx
+++ b/ApproxComp/queryApprox.pptx
@@ -289,7 +289,7 @@
             <a:fld id="{63795836-39C0-4D9B-BE82-2586229D4334}" type="datetimeFigureOut">
               <a:rPr lang="zh-CN" altLang="en-US" smtClean="0"/>
               <a:pPr/>
-              <a:t>2018/1/18</a:t>
+              <a:t>2018/1/26</a:t>
             </a:fld>
             <a:endParaRPr lang="zh-CN" altLang="en-US"/>
           </a:p>
@@ -456,7 +456,7 @@
             <a:fld id="{63795836-39C0-4D9B-BE82-2586229D4334}" type="datetimeFigureOut">
               <a:rPr lang="zh-CN" altLang="en-US" smtClean="0"/>
               <a:pPr/>
-              <a:t>2018/1/18</a:t>
+              <a:t>2018/1/26</a:t>
             </a:fld>
             <a:endParaRPr lang="zh-CN" altLang="en-US"/>
           </a:p>
@@ -633,7 +633,7 @@
             <a:fld id="{63795836-39C0-4D9B-BE82-2586229D4334}" type="datetimeFigureOut">
               <a:rPr lang="zh-CN" altLang="en-US" smtClean="0"/>
               <a:pPr/>
-              <a:t>2018/1/18</a:t>
+              <a:t>2018/1/26</a:t>
             </a:fld>
             <a:endParaRPr lang="zh-CN" altLang="en-US"/>
           </a:p>
@@ -800,7 +800,7 @@
             <a:fld id="{63795836-39C0-4D9B-BE82-2586229D4334}" type="datetimeFigureOut">
               <a:rPr lang="zh-CN" altLang="en-US" smtClean="0"/>
               <a:pPr/>
-              <a:t>2018/1/18</a:t>
+              <a:t>2018/1/26</a:t>
             </a:fld>
             <a:endParaRPr lang="zh-CN" altLang="en-US"/>
           </a:p>
@@ -1043,7 +1043,7 @@
             <a:fld id="{63795836-39C0-4D9B-BE82-2586229D4334}" type="datetimeFigureOut">
               <a:rPr lang="zh-CN" altLang="en-US" smtClean="0"/>
               <a:pPr/>
-              <a:t>2018/1/18</a:t>
+              <a:t>2018/1/26</a:t>
             </a:fld>
             <a:endParaRPr lang="zh-CN" altLang="en-US"/>
           </a:p>
@@ -1328,7 +1328,7 @@
             <a:fld id="{63795836-39C0-4D9B-BE82-2586229D4334}" type="datetimeFigureOut">
               <a:rPr lang="zh-CN" altLang="en-US" smtClean="0"/>
               <a:pPr/>
-              <a:t>2018/1/18</a:t>
+              <a:t>2018/1/26</a:t>
             </a:fld>
             <a:endParaRPr lang="zh-CN" altLang="en-US"/>
           </a:p>
@@ -1747,7 +1747,7 @@
             <a:fld id="{63795836-39C0-4D9B-BE82-2586229D4334}" type="datetimeFigureOut">
               <a:rPr lang="zh-CN" altLang="en-US" smtClean="0"/>
               <a:pPr/>
-              <a:t>2018/1/18</a:t>
+              <a:t>2018/1/26</a:t>
             </a:fld>
             <a:endParaRPr lang="zh-CN" altLang="en-US"/>
           </a:p>
@@ -1862,7 +1862,7 @@
             <a:fld id="{63795836-39C0-4D9B-BE82-2586229D4334}" type="datetimeFigureOut">
               <a:rPr lang="zh-CN" altLang="en-US" smtClean="0"/>
               <a:pPr/>
-              <a:t>2018/1/18</a:t>
+              <a:t>2018/1/26</a:t>
             </a:fld>
             <a:endParaRPr lang="zh-CN" altLang="en-US"/>
           </a:p>
@@ -1954,7 +1954,7 @@
             <a:fld id="{63795836-39C0-4D9B-BE82-2586229D4334}" type="datetimeFigureOut">
               <a:rPr lang="zh-CN" altLang="en-US" smtClean="0"/>
               <a:pPr/>
-              <a:t>2018/1/18</a:t>
+              <a:t>2018/1/26</a:t>
             </a:fld>
             <a:endParaRPr lang="zh-CN" altLang="en-US"/>
           </a:p>
@@ -2228,7 +2228,7 @@
             <a:fld id="{63795836-39C0-4D9B-BE82-2586229D4334}" type="datetimeFigureOut">
               <a:rPr lang="zh-CN" altLang="en-US" smtClean="0"/>
               <a:pPr/>
-              <a:t>2018/1/18</a:t>
+              <a:t>2018/1/26</a:t>
             </a:fld>
             <a:endParaRPr lang="zh-CN" altLang="en-US"/>
           </a:p>
@@ -2478,7 +2478,7 @@
             <a:fld id="{63795836-39C0-4D9B-BE82-2586229D4334}" type="datetimeFigureOut">
               <a:rPr lang="zh-CN" altLang="en-US" smtClean="0"/>
               <a:pPr/>
-              <a:t>2018/1/18</a:t>
+              <a:t>2018/1/26</a:t>
             </a:fld>
             <a:endParaRPr lang="zh-CN" altLang="en-US"/>
           </a:p>
@@ -2688,7 +2688,7 @@
             <a:fld id="{63795836-39C0-4D9B-BE82-2586229D4334}" type="datetimeFigureOut">
               <a:rPr lang="zh-CN" altLang="en-US" smtClean="0"/>
               <a:pPr/>
-              <a:t>2018/1/18</a:t>
+              <a:t>2018/1/26</a:t>
             </a:fld>
             <a:endParaRPr lang="zh-CN" altLang="en-US"/>
           </a:p>
@@ -3061,16 +3061,16 @@
       </p:grpSpPr>
       <p:grpSp>
         <p:nvGrpSpPr>
-          <p:cNvPr id="27" name="组合 26"/>
+          <p:cNvPr id="19" name="组合 18"/>
           <p:cNvGrpSpPr/>
           <p:nvPr/>
         </p:nvGrpSpPr>
         <p:grpSpPr>
           <a:xfrm>
-            <a:off x="1821533" y="3306288"/>
-            <a:ext cx="5393673" cy="2031992"/>
-            <a:chOff x="1821533" y="3306288"/>
-            <a:chExt cx="5393673" cy="2031992"/>
+            <a:off x="3571868" y="2643182"/>
+            <a:ext cx="3643338" cy="2695098"/>
+            <a:chOff x="3571868" y="2643182"/>
+            <a:chExt cx="3643338" cy="2695098"/>
           </a:xfrm>
         </p:grpSpPr>
         <p:grpSp>
@@ -3081,10 +3081,10 @@
           </p:nvGrpSpPr>
           <p:grpSpPr>
             <a:xfrm>
-              <a:off x="1821533" y="3306288"/>
-              <a:ext cx="5393673" cy="2031992"/>
-              <a:chOff x="1821533" y="3306288"/>
-              <a:chExt cx="5393673" cy="2031992"/>
+              <a:off x="3571868" y="2643182"/>
+              <a:ext cx="3643338" cy="2695098"/>
+              <a:chOff x="3571868" y="2643182"/>
+              <a:chExt cx="3643338" cy="2695098"/>
             </a:xfrm>
           </p:grpSpPr>
           <p:sp>
@@ -3095,7 +3095,7 @@
             </p:nvSpPr>
             <p:spPr>
               <a:xfrm>
-                <a:off x="1821533" y="4143380"/>
+                <a:off x="4607615" y="2643182"/>
                 <a:ext cx="1678897" cy="584775"/>
               </a:xfrm>
               <a:prstGeom prst="rect">
@@ -3232,7 +3232,7 @@
                 </a:lvl9pPr>
               </a:lstStyle>
               <a:p>
-                <a:pPr>
+                <a:pPr algn="ctr">
                   <a:defRPr/>
                 </a:pPr>
                 <a:r>
@@ -3605,14 +3605,14 @@
                 </a:ln>
                 <a:extLst>
                   <a:ext uri="{909E8E84-426E-40DD-AFC4-6F175D3DCCD1}">
-                    <a14:hiddenFill xmlns="" xmlns:a14="http://schemas.microsoft.com/office/drawing/2010/main">
+                    <a14:hiddenFill xmlns:a14="http://schemas.microsoft.com/office/drawing/2010/main" xmlns="">
                       <a:solidFill>
                         <a:srgbClr val="FFFFFF"/>
                       </a:solidFill>
                     </a14:hiddenFill>
                   </a:ext>
                   <a:ext uri="{91240B29-F687-4F45-9708-019B960494DF}">
-                    <a14:hiddenLine xmlns="" xmlns:a14="http://schemas.microsoft.com/office/drawing/2010/main" w="9525">
+                    <a14:hiddenLine xmlns:a14="http://schemas.microsoft.com/office/drawing/2010/main" xmlns="" w="9525">
                       <a:solidFill>
                         <a:srgbClr val="000000"/>
                       </a:solidFill>
@@ -3800,14 +3800,14 @@
                 </a:ln>
                 <a:extLst>
                   <a:ext uri="{909E8E84-426E-40DD-AFC4-6F175D3DCCD1}">
-                    <a14:hiddenFill xmlns="" xmlns:a14="http://schemas.microsoft.com/office/drawing/2010/main">
+                    <a14:hiddenFill xmlns:a14="http://schemas.microsoft.com/office/drawing/2010/main" xmlns="">
                       <a:solidFill>
                         <a:srgbClr val="FFFFFF"/>
                       </a:solidFill>
                     </a14:hiddenFill>
                   </a:ext>
                   <a:ext uri="{91240B29-F687-4F45-9708-019B960494DF}">
-                    <a14:hiddenLine xmlns="" xmlns:a14="http://schemas.microsoft.com/office/drawing/2010/main" w="9525">
+                    <a14:hiddenLine xmlns:a14="http://schemas.microsoft.com/office/drawing/2010/main" xmlns="" w="9525">
                       <a:solidFill>
                         <a:srgbClr val="000000"/>
                       </a:solidFill>
@@ -4090,14 +4090,14 @@
                 </a:ln>
                 <a:extLst>
                   <a:ext uri="{909E8E84-426E-40DD-AFC4-6F175D3DCCD1}">
-                    <a14:hiddenFill xmlns="" xmlns:a14="http://schemas.microsoft.com/office/drawing/2010/main">
+                    <a14:hiddenFill xmlns:a14="http://schemas.microsoft.com/office/drawing/2010/main" xmlns="">
                       <a:solidFill>
                         <a:srgbClr val="FFFFFF"/>
                       </a:solidFill>
                     </a14:hiddenFill>
                   </a:ext>
                   <a:ext uri="{91240B29-F687-4F45-9708-019B960494DF}">
-                    <a14:hiddenLine xmlns="" xmlns:a14="http://schemas.microsoft.com/office/drawing/2010/main" w="9525">
+                    <a14:hiddenLine xmlns:a14="http://schemas.microsoft.com/office/drawing/2010/main" xmlns="" w="9525">
                       <a:solidFill>
                         <a:srgbClr val="000000"/>
                       </a:solidFill>
@@ -4325,14 +4325,14 @@
                 </a:ln>
                 <a:extLst>
                   <a:ext uri="{909E8E84-426E-40DD-AFC4-6F175D3DCCD1}">
-                    <a14:hiddenFill xmlns="" xmlns:a14="http://schemas.microsoft.com/office/drawing/2010/main">
+                    <a14:hiddenFill xmlns:a14="http://schemas.microsoft.com/office/drawing/2010/main" xmlns="">
                       <a:solidFill>
                         <a:srgbClr val="FFFFFF"/>
                       </a:solidFill>
                     </a14:hiddenFill>
                   </a:ext>
                   <a:ext uri="{91240B29-F687-4F45-9708-019B960494DF}">
-                    <a14:hiddenLine xmlns="" xmlns:a14="http://schemas.microsoft.com/office/drawing/2010/main" w="9525">
+                    <a14:hiddenLine xmlns:a14="http://schemas.microsoft.com/office/drawing/2010/main" xmlns="" w="9525">
                       <a:solidFill>
                         <a:srgbClr val="000000"/>
                       </a:solidFill>
@@ -4510,14 +4510,14 @@
                 </a:ln>
                 <a:extLst>
                   <a:ext uri="{909E8E84-426E-40DD-AFC4-6F175D3DCCD1}">
-                    <a14:hiddenFill xmlns="" xmlns:a14="http://schemas.microsoft.com/office/drawing/2010/main">
+                    <a14:hiddenFill xmlns:a14="http://schemas.microsoft.com/office/drawing/2010/main" xmlns="">
                       <a:solidFill>
                         <a:srgbClr val="FFFFFF"/>
                       </a:solidFill>
                     </a14:hiddenFill>
                   </a:ext>
                   <a:ext uri="{91240B29-F687-4F45-9708-019B960494DF}">
-                    <a14:hiddenLine xmlns="" xmlns:a14="http://schemas.microsoft.com/office/drawing/2010/main" w="9525">
+                    <a14:hiddenLine xmlns:a14="http://schemas.microsoft.com/office/drawing/2010/main" xmlns="" w="9525">
                       <a:solidFill>
                         <a:srgbClr val="000000"/>
                       </a:solidFill>
@@ -4777,14 +4777,14 @@
               </a:ln>
               <a:extLst>
                 <a:ext uri="{909E8E84-426E-40DD-AFC4-6F175D3DCCD1}">
-                  <a14:hiddenFill xmlns="" xmlns:a14="http://schemas.microsoft.com/office/drawing/2010/main">
+                  <a14:hiddenFill xmlns:a14="http://schemas.microsoft.com/office/drawing/2010/main" xmlns="">
                     <a:solidFill>
                       <a:srgbClr val="FFFFFF"/>
                     </a:solidFill>
                   </a14:hiddenFill>
                 </a:ext>
                 <a:ext uri="{91240B29-F687-4F45-9708-019B960494DF}">
-                  <a14:hiddenLine xmlns="" xmlns:a14="http://schemas.microsoft.com/office/drawing/2010/main" w="9525">
+                  <a14:hiddenLine xmlns:a14="http://schemas.microsoft.com/office/drawing/2010/main" xmlns="" w="9525">
                     <a:solidFill>
                       <a:srgbClr val="000000"/>
                     </a:solidFill>
@@ -4952,14 +4952,14 @@
               </a:ln>
               <a:extLst>
                 <a:ext uri="{909E8E84-426E-40DD-AFC4-6F175D3DCCD1}">
-                  <a14:hiddenFill xmlns="" xmlns:a14="http://schemas.microsoft.com/office/drawing/2010/main">
+                  <a14:hiddenFill xmlns:a14="http://schemas.microsoft.com/office/drawing/2010/main" xmlns="">
                     <a:solidFill>
                       <a:srgbClr val="FFFFFF"/>
                     </a:solidFill>
                   </a14:hiddenFill>
                 </a:ext>
                 <a:ext uri="{91240B29-F687-4F45-9708-019B960494DF}">
-                  <a14:hiddenLine xmlns="" xmlns:a14="http://schemas.microsoft.com/office/drawing/2010/main" w="9525">
+                  <a14:hiddenLine xmlns:a14="http://schemas.microsoft.com/office/drawing/2010/main" xmlns="" w="9525">
                     <a:solidFill>
                       <a:srgbClr val="000000"/>
                     </a:solidFill>
